--- a/PythonDataAnalysis.pptx
+++ b/PythonDataAnalysis.pptx
@@ -10,6 +10,7 @@
     <p:sldId id="258" r:id="rId4"/>
     <p:sldId id="259" r:id="rId5"/>
     <p:sldId id="260" r:id="rId6"/>
+    <p:sldId id="261" r:id="rId7"/>
   </p:sldIdLst>
   <p:sldSz cx="12192000" cy="6858000"/>
   <p:notesSz cx="6858000" cy="9144000"/>
@@ -3515,8 +3516,8 @@
         </p:nvSpPr>
         <p:spPr>
           <a:xfrm>
-            <a:off x="3016638" y="3704080"/>
-            <a:ext cx="6946111" cy="684677"/>
+            <a:off x="2771541" y="3619238"/>
+            <a:ext cx="8163552" cy="684677"/>
           </a:xfrm>
         </p:spPr>
         <p:txBody>
@@ -3527,9 +3528,44 @@
           <a:p>
             <a:r>
               <a:rPr lang="en-US" sz="2800" dirty="0"/>
-              <a:t>Pen-Based Recognition of Handwritten Digits</a:t>
+              <a:t>Dataset: Pen-Based Recognition of Handwritten Digits</a:t>
             </a:r>
             <a:endParaRPr lang="fr-FR" sz="2800" dirty="0"/>
+          </a:p>
+        </p:txBody>
+      </p:sp>
+      <p:sp>
+        <p:nvSpPr>
+          <p:cNvPr id="4" name="ZoneTexte 3">
+            <a:extLst>
+              <a:ext uri="{FF2B5EF4-FFF2-40B4-BE49-F238E27FC236}">
+                <a16:creationId xmlns:a16="http://schemas.microsoft.com/office/drawing/2014/main" id="{90F7BD69-A075-484F-84D9-2BBE9A309F19}"/>
+              </a:ext>
+            </a:extLst>
+          </p:cNvPr>
+          <p:cNvSpPr txBox="1"/>
+          <p:nvPr/>
+        </p:nvSpPr>
+        <p:spPr>
+          <a:xfrm>
+            <a:off x="801279" y="6007826"/>
+            <a:ext cx="2620651" cy="369332"/>
+          </a:xfrm>
+          <a:prstGeom prst="rect">
+            <a:avLst/>
+          </a:prstGeom>
+          <a:noFill/>
+        </p:spPr>
+        <p:txBody>
+          <a:bodyPr wrap="square" rtlCol="0">
+            <a:spAutoFit/>
+          </a:bodyPr>
+          <a:lstStyle/>
+          <a:p>
+            <a:r>
+              <a:rPr lang="fr-FR" dirty="0"/>
+              <a:t>Imad Mebrouk</a:t>
+            </a:r>
           </a:p>
         </p:txBody>
       </p:sp>
@@ -4656,7 +4692,15 @@
           <a:p>
             <a:r>
               <a:rPr lang="fr-FR" sz="2000" dirty="0"/>
-              <a:t>Prédire le code classe grâce aux 16 attributs qui composent le dataset.</a:t>
+              <a:t>Prédire le chiffre </a:t>
+            </a:r>
+            <a:r>
+              <a:rPr lang="fr-FR" sz="2000" dirty="0" err="1"/>
+              <a:t>target</a:t>
+            </a:r>
+            <a:r>
+              <a:rPr lang="fr-FR" sz="2000" dirty="0"/>
+              <a:t> grâce aux 16 attributs qui composent le dataset.</a:t>
             </a:r>
           </a:p>
           <a:p>
@@ -4673,7 +4717,7 @@
             </a:r>
             <a:r>
               <a:rPr lang="fr-FR" dirty="0"/>
-              <a:t> n’ont pas de signification seules. Elles doivent être traitées ensemble. C’est donc compliqué de faire une visualisation des données compréhensive. Nous allons pouvoir par exemple montrer la répartition de chaque </a:t>
+              <a:t> n’ont pas de signification seules (il s’agit de coordonnées) . Elles doivent être traitées ensemble. Il est donc compliqué de faire une visualisation des données compréhensive. Nous allons pouvoir par exemple montrer la répartition de chaque </a:t>
             </a:r>
             <a:r>
               <a:rPr lang="fr-FR" dirty="0" err="1"/>
@@ -4731,7 +4775,7 @@
           <a:p>
             <a:r>
               <a:rPr lang="fr-FR" dirty="0"/>
-              <a:t>Et enfin nous visualiserons les performances grâces à des courbes ROC</a:t>
+              <a:t>Et enfin nous visualiserons les performances des différents modèles.</a:t>
             </a:r>
           </a:p>
         </p:txBody>
@@ -4740,6 +4784,137 @@
     <p:extLst>
       <p:ext uri="{BB962C8B-B14F-4D97-AF65-F5344CB8AC3E}">
         <p14:creationId xmlns:p14="http://schemas.microsoft.com/office/powerpoint/2010/main" val="2071006617"/>
+      </p:ext>
+    </p:extLst>
+  </p:cSld>
+  <p:clrMapOvr>
+    <a:masterClrMapping/>
+  </p:clrMapOvr>
+</p:sld>
+</file>
+
+<file path=ppt/slides/slide6.xml><?xml version="1.0" encoding="utf-8"?>
+<p:sld xmlns:a="http://schemas.openxmlformats.org/drawingml/2006/main" xmlns:r="http://schemas.openxmlformats.org/officeDocument/2006/relationships" xmlns:p="http://schemas.openxmlformats.org/presentationml/2006/main">
+  <p:cSld>
+    <p:spTree>
+      <p:nvGrpSpPr>
+        <p:cNvPr id="1" name=""/>
+        <p:cNvGrpSpPr/>
+        <p:nvPr/>
+      </p:nvGrpSpPr>
+      <p:grpSpPr>
+        <a:xfrm>
+          <a:off x="0" y="0"/>
+          <a:ext cx="0" cy="0"/>
+          <a:chOff x="0" y="0"/>
+          <a:chExt cx="0" cy="0"/>
+        </a:xfrm>
+      </p:grpSpPr>
+      <p:sp>
+        <p:nvSpPr>
+          <p:cNvPr id="2" name="Titre 1">
+            <a:extLst>
+              <a:ext uri="{FF2B5EF4-FFF2-40B4-BE49-F238E27FC236}">
+                <a16:creationId xmlns:a16="http://schemas.microsoft.com/office/drawing/2014/main" id="{B926749E-0054-4A1D-83C8-5B9EB3E66DA5}"/>
+              </a:ext>
+            </a:extLst>
+          </p:cNvPr>
+          <p:cNvSpPr>
+            <a:spLocks noGrp="1"/>
+          </p:cNvSpPr>
+          <p:nvPr>
+            <p:ph type="title"/>
+          </p:nvPr>
+        </p:nvSpPr>
+        <p:spPr/>
+        <p:txBody>
+          <a:bodyPr>
+            <a:normAutofit/>
+          </a:bodyPr>
+          <a:lstStyle/>
+          <a:p>
+            <a:r>
+              <a:rPr lang="fr-FR" sz="4000" dirty="0"/>
+              <a:t>Gains de performance des différents modèles</a:t>
+            </a:r>
+          </a:p>
+        </p:txBody>
+      </p:sp>
+      <p:pic>
+        <p:nvPicPr>
+          <p:cNvPr id="5" name="Espace réservé du contenu 4">
+            <a:extLst>
+              <a:ext uri="{FF2B5EF4-FFF2-40B4-BE49-F238E27FC236}">
+                <a16:creationId xmlns:a16="http://schemas.microsoft.com/office/drawing/2014/main" id="{8F96607C-1A33-446B-92FC-D85388CA72F1}"/>
+              </a:ext>
+            </a:extLst>
+          </p:cNvPr>
+          <p:cNvPicPr>
+            <a:picLocks noGrp="1" noChangeAspect="1"/>
+          </p:cNvPicPr>
+          <p:nvPr>
+            <p:ph idx="1"/>
+          </p:nvPr>
+        </p:nvPicPr>
+        <p:blipFill>
+          <a:blip r:embed="rId2">
+            <a:extLst>
+              <a:ext uri="{28A0092B-C50C-407E-A947-70E740481C1C}">
+                <a14:useLocalDpi xmlns:a14="http://schemas.microsoft.com/office/drawing/2010/main" val="0"/>
+              </a:ext>
+            </a:extLst>
+          </a:blip>
+          <a:stretch>
+            <a:fillRect/>
+          </a:stretch>
+        </p:blipFill>
+        <p:spPr>
+          <a:xfrm>
+            <a:off x="710423" y="2661657"/>
+            <a:ext cx="4122230" cy="3242821"/>
+          </a:xfrm>
+        </p:spPr>
+      </p:pic>
+      <p:pic>
+        <p:nvPicPr>
+          <p:cNvPr id="7" name="Image 6">
+            <a:extLst>
+              <a:ext uri="{FF2B5EF4-FFF2-40B4-BE49-F238E27FC236}">
+                <a16:creationId xmlns:a16="http://schemas.microsoft.com/office/drawing/2014/main" id="{DC0AA24F-A25C-475E-989A-B36077B04C26}"/>
+              </a:ext>
+            </a:extLst>
+          </p:cNvPr>
+          <p:cNvPicPr>
+            <a:picLocks noChangeAspect="1"/>
+          </p:cNvPicPr>
+          <p:nvPr/>
+        </p:nvPicPr>
+        <p:blipFill>
+          <a:blip r:embed="rId3">
+            <a:extLst>
+              <a:ext uri="{28A0092B-C50C-407E-A947-70E740481C1C}">
+                <a14:useLocalDpi xmlns:a14="http://schemas.microsoft.com/office/drawing/2010/main" val="0"/>
+              </a:ext>
+            </a:extLst>
+          </a:blip>
+          <a:stretch>
+            <a:fillRect/>
+          </a:stretch>
+        </p:blipFill>
+        <p:spPr>
+          <a:xfrm>
+            <a:off x="6398726" y="2253005"/>
+            <a:ext cx="4084548" cy="4060126"/>
+          </a:xfrm>
+          <a:prstGeom prst="rect">
+            <a:avLst/>
+          </a:prstGeom>
+        </p:spPr>
+      </p:pic>
+    </p:spTree>
+    <p:extLst>
+      <p:ext uri="{BB962C8B-B14F-4D97-AF65-F5344CB8AC3E}">
+        <p14:creationId xmlns:p14="http://schemas.microsoft.com/office/powerpoint/2010/main" val="1321624140"/>
       </p:ext>
     </p:extLst>
   </p:cSld>
